--- a/Wall_Vertical_Plotter.pptx
+++ b/Wall_Vertical_Plotter.pptx
@@ -4283,6 +4283,30 @@
           </a:p>
         </p:txBody>
       </p:sp>
+      <p:pic>
+        <p:nvPicPr>
+          <p:cNvPr id="4" name="Immagine 3"/>
+          <p:cNvPicPr>
+            <a:picLocks noChangeAspect="1"/>
+          </p:cNvPicPr>
+          <p:nvPr/>
+        </p:nvPicPr>
+        <p:blipFill>
+          <a:blip r:embed="rId2"/>
+          <a:stretch>
+            <a:fillRect/>
+          </a:stretch>
+        </p:blipFill>
+        <p:spPr>
+          <a:xfrm>
+            <a:off x="3150654" y="2021306"/>
+            <a:ext cx="6043092" cy="4364455"/>
+          </a:xfrm>
+          <a:prstGeom prst="rect">
+            <a:avLst/>
+          </a:prstGeom>
+        </p:spPr>
+      </p:pic>
     </p:spTree>
     <p:extLst>
       <p:ext uri="{BB962C8B-B14F-4D97-AF65-F5344CB8AC3E}">
@@ -4473,6 +4497,30 @@
           </a:p>
         </p:txBody>
       </p:sp>
+      <p:pic>
+        <p:nvPicPr>
+          <p:cNvPr id="4" name="Immagine 3"/>
+          <p:cNvPicPr>
+            <a:picLocks noChangeAspect="1"/>
+          </p:cNvPicPr>
+          <p:nvPr/>
+        </p:nvPicPr>
+        <p:blipFill>
+          <a:blip r:embed="rId2"/>
+          <a:stretch>
+            <a:fillRect/>
+          </a:stretch>
+        </p:blipFill>
+        <p:spPr>
+          <a:xfrm>
+            <a:off x="1371600" y="1763511"/>
+            <a:ext cx="10651958" cy="4381116"/>
+          </a:xfrm>
+          <a:prstGeom prst="rect">
+            <a:avLst/>
+          </a:prstGeom>
+        </p:spPr>
+      </p:pic>
     </p:spTree>
     <p:extLst>
       <p:ext uri="{BB962C8B-B14F-4D97-AF65-F5344CB8AC3E}">

--- a/Wall_Vertical_Plotter.pptx
+++ b/Wall_Vertical_Plotter.pptx
@@ -121,6 +121,11 @@
       </a:defRPr>
     </a:lvl9pPr>
   </p:defaultTextStyle>
+  <p:extLst>
+    <p:ext uri="{EFAFB233-063F-42B5-8137-9DF3F51BA10A}">
+      <p15:sldGuideLst xmlns:p15="http://schemas.microsoft.com/office/powerpoint/2012/main"/>
+    </p:ext>
+  </p:extLst>
 </p:presentation>
 </file>
 
@@ -3810,42 +3815,42 @@
   <p:extLst mod="1">
     <p:ext uri="{27BBF7A9-308A-43DC-89C8-2F10F3537804}">
       <p15:sldGuideLst xmlns:p15="http://schemas.microsoft.com/office/powerpoint/2012/main">
-        <p15:guide id="4294967295" orient="horz" pos="1368">
+        <p15:guide id="1" orient="horz" pos="1368">
           <p15:clr>
             <a:srgbClr val="F26B43"/>
           </p15:clr>
         </p15:guide>
-        <p15:guide id="4294967295" orient="horz" pos="1440">
+        <p15:guide id="2" orient="horz" pos="1440">
           <p15:clr>
             <a:srgbClr val="F26B43"/>
           </p15:clr>
         </p15:guide>
-        <p15:guide id="4294967295" orient="horz" pos="3696">
+        <p15:guide id="3" orient="horz" pos="3696">
           <p15:clr>
             <a:srgbClr val="F26B43"/>
           </p15:clr>
         </p15:guide>
-        <p15:guide id="4294967295" orient="horz" pos="432">
+        <p15:guide id="4" orient="horz" pos="432">
           <p15:clr>
             <a:srgbClr val="F26B43"/>
           </p15:clr>
         </p15:guide>
-        <p15:guide id="4294967295" orient="horz" pos="1512">
+        <p15:guide id="5" orient="horz" pos="1512">
           <p15:clr>
             <a:srgbClr val="F26B43"/>
           </p15:clr>
         </p15:guide>
-        <p15:guide id="4294967295" pos="6912">
+        <p15:guide id="6" pos="6912">
           <p15:clr>
             <a:srgbClr val="F26B43"/>
           </p15:clr>
         </p15:guide>
-        <p15:guide id="4294967295" pos="936">
+        <p15:guide id="7" pos="936">
           <p15:clr>
             <a:srgbClr val="F26B43"/>
           </p15:clr>
         </p15:guide>
-        <p15:guide id="4294967295" pos="864">
+        <p15:guide id="8" pos="864">
           <p15:clr>
             <a:srgbClr val="F26B43"/>
           </p15:clr>
@@ -4372,6 +4377,88 @@
           </a:p>
         </p:txBody>
       </p:sp>
+      <p:sp>
+        <p:nvSpPr>
+          <p:cNvPr id="3" name="CasellaDiTesto 2"/>
+          <p:cNvSpPr txBox="1"/>
+          <p:nvPr/>
+        </p:nvSpPr>
+        <p:spPr>
+          <a:xfrm>
+            <a:off x="3682538" y="1122218"/>
+            <a:ext cx="7805651" cy="4585101"/>
+          </a:xfrm>
+          <a:prstGeom prst="rect">
+            <a:avLst/>
+          </a:prstGeom>
+          <a:noFill/>
+        </p:spPr>
+        <p:txBody>
+          <a:bodyPr wrap="square" rtlCol="0">
+            <a:spAutoFit/>
+          </a:bodyPr>
+          <a:lstStyle/>
+          <a:p>
+            <a:pPr marL="285750" indent="-285750">
+              <a:lnSpc>
+                <a:spcPct val="300000"/>
+              </a:lnSpc>
+              <a:spcBef>
+                <a:spcPts val="8400"/>
+              </a:spcBef>
+              <a:buFont typeface="Arial" panose="020B0604020202020204" pitchFamily="34" charset="0"/>
+              <a:buChar char="•"/>
+            </a:pPr>
+            <a:r>
+              <a:rPr lang="fr-CH" dirty="0" err="1" smtClean="0"/>
+              <a:t>Motori</a:t>
+            </a:r>
+            <a:endParaRPr lang="fr-CH" dirty="0" smtClean="0"/>
+          </a:p>
+          <a:p>
+            <a:pPr marL="285750" indent="-285750">
+              <a:lnSpc>
+                <a:spcPct val="300000"/>
+              </a:lnSpc>
+              <a:spcBef>
+                <a:spcPts val="8400"/>
+              </a:spcBef>
+              <a:buFont typeface="Arial" panose="020B0604020202020204" pitchFamily="34" charset="0"/>
+              <a:buChar char="•"/>
+            </a:pPr>
+            <a:r>
+              <a:rPr lang="fr-CH" dirty="0" err="1" smtClean="0"/>
+              <a:t>Servo</a:t>
+            </a:r>
+            <a:r>
+              <a:rPr lang="fr-CH" dirty="0" smtClean="0"/>
+              <a:t> </a:t>
+            </a:r>
+            <a:r>
+              <a:rPr lang="fr-CH" dirty="0" err="1" smtClean="0"/>
+              <a:t>motori</a:t>
+            </a:r>
+            <a:endParaRPr lang="fr-CH" dirty="0" smtClean="0"/>
+          </a:p>
+          <a:p>
+            <a:pPr marL="285750" indent="-285750">
+              <a:lnSpc>
+                <a:spcPct val="300000"/>
+              </a:lnSpc>
+              <a:spcBef>
+                <a:spcPts val="8400"/>
+              </a:spcBef>
+              <a:buFont typeface="Arial" panose="020B0604020202020204" pitchFamily="34" charset="0"/>
+              <a:buChar char="•"/>
+            </a:pPr>
+            <a:r>
+              <a:rPr lang="fr-CH" dirty="0" err="1" smtClean="0"/>
+              <a:t>Disegno</a:t>
+            </a:r>
+            <a:endParaRPr lang="en-US" dirty="0"/>
+          </a:p>
+        </p:txBody>
+      </p:sp>
     </p:spTree>
     <p:extLst>
       <p:ext uri="{BB962C8B-B14F-4D97-AF65-F5344CB8AC3E}">
@@ -4513,7 +4600,7 @@
         </p:blipFill>
         <p:spPr>
           <a:xfrm>
-            <a:off x="1371600" y="1763511"/>
+            <a:off x="1371600" y="2171700"/>
             <a:ext cx="10651958" cy="4381116"/>
           </a:xfrm>
           <a:prstGeom prst="rect">
